--- a/OFFICIAL_DOCUMENTS/YMIR_Final_PPT.pptx
+++ b/OFFICIAL_DOCUMENTS/YMIR_Final_PPT.pptx
@@ -204,7 +204,7 @@
           <a:p>
             <a:fld id="{83664047-AD0A-4D65-9A03-8BF8030F66B1}" type="datetimeFigureOut">
               <a:rPr lang="en-IN" smtClean="0"/>
-              <a:t>24-04-2025</a:t>
+              <a:t>21-11-2025</a:t>
             </a:fld>
             <a:endParaRPr lang="en-IN"/>
           </a:p>
@@ -601,7 +601,7 @@
           <a:p>
             <a:fld id="{3FDFAF59-80FD-42F8-B77B-6179688B7234}" type="datetimeFigureOut">
               <a:rPr lang="de-DE" smtClean="0"/>
-              <a:t>24.04.2025</a:t>
+              <a:t>21.11.2025</a:t>
             </a:fld>
             <a:endParaRPr lang="de-DE"/>
           </a:p>
@@ -769,7 +769,7 @@
           <a:p>
             <a:fld id="{3FDFAF59-80FD-42F8-B77B-6179688B7234}" type="datetimeFigureOut">
               <a:rPr lang="de-DE" smtClean="0"/>
-              <a:t>24.04.2025</a:t>
+              <a:t>21.11.2025</a:t>
             </a:fld>
             <a:endParaRPr lang="de-DE"/>
           </a:p>
@@ -947,7 +947,7 @@
           <a:p>
             <a:fld id="{3FDFAF59-80FD-42F8-B77B-6179688B7234}" type="datetimeFigureOut">
               <a:rPr lang="de-DE" smtClean="0"/>
-              <a:t>24.04.2025</a:t>
+              <a:t>21.11.2025</a:t>
             </a:fld>
             <a:endParaRPr lang="de-DE"/>
           </a:p>
@@ -1115,7 +1115,7 @@
           <a:p>
             <a:fld id="{3FDFAF59-80FD-42F8-B77B-6179688B7234}" type="datetimeFigureOut">
               <a:rPr lang="de-DE" smtClean="0"/>
-              <a:t>24.04.2025</a:t>
+              <a:t>21.11.2025</a:t>
             </a:fld>
             <a:endParaRPr lang="de-DE"/>
           </a:p>
@@ -1360,7 +1360,7 @@
           <a:p>
             <a:fld id="{3FDFAF59-80FD-42F8-B77B-6179688B7234}" type="datetimeFigureOut">
               <a:rPr lang="de-DE" smtClean="0"/>
-              <a:t>24.04.2025</a:t>
+              <a:t>21.11.2025</a:t>
             </a:fld>
             <a:endParaRPr lang="de-DE"/>
           </a:p>
@@ -1589,7 +1589,7 @@
           <a:p>
             <a:fld id="{3FDFAF59-80FD-42F8-B77B-6179688B7234}" type="datetimeFigureOut">
               <a:rPr lang="de-DE" smtClean="0"/>
-              <a:t>24.04.2025</a:t>
+              <a:t>21.11.2025</a:t>
             </a:fld>
             <a:endParaRPr lang="de-DE"/>
           </a:p>
@@ -1953,7 +1953,7 @@
           <a:p>
             <a:fld id="{3FDFAF59-80FD-42F8-B77B-6179688B7234}" type="datetimeFigureOut">
               <a:rPr lang="de-DE" smtClean="0"/>
-              <a:t>24.04.2025</a:t>
+              <a:t>21.11.2025</a:t>
             </a:fld>
             <a:endParaRPr lang="de-DE"/>
           </a:p>
@@ -2070,7 +2070,7 @@
           <a:p>
             <a:fld id="{3FDFAF59-80FD-42F8-B77B-6179688B7234}" type="datetimeFigureOut">
               <a:rPr lang="de-DE" smtClean="0"/>
-              <a:t>24.04.2025</a:t>
+              <a:t>21.11.2025</a:t>
             </a:fld>
             <a:endParaRPr lang="de-DE"/>
           </a:p>
@@ -2165,7 +2165,7 @@
           <a:p>
             <a:fld id="{3FDFAF59-80FD-42F8-B77B-6179688B7234}" type="datetimeFigureOut">
               <a:rPr lang="de-DE" smtClean="0"/>
-              <a:t>24.04.2025</a:t>
+              <a:t>21.11.2025</a:t>
             </a:fld>
             <a:endParaRPr lang="de-DE"/>
           </a:p>
@@ -2440,7 +2440,7 @@
           <a:p>
             <a:fld id="{3FDFAF59-80FD-42F8-B77B-6179688B7234}" type="datetimeFigureOut">
               <a:rPr lang="de-DE" smtClean="0"/>
-              <a:t>24.04.2025</a:t>
+              <a:t>21.11.2025</a:t>
             </a:fld>
             <a:endParaRPr lang="de-DE"/>
           </a:p>
@@ -2692,7 +2692,7 @@
           <a:p>
             <a:fld id="{3FDFAF59-80FD-42F8-B77B-6179688B7234}" type="datetimeFigureOut">
               <a:rPr lang="de-DE" smtClean="0"/>
-              <a:t>24.04.2025</a:t>
+              <a:t>21.11.2025</a:t>
             </a:fld>
             <a:endParaRPr lang="de-DE"/>
           </a:p>
@@ -2906,7 +2906,7 @@
           <a:p>
             <a:fld id="{3FDFAF59-80FD-42F8-B77B-6179688B7234}" type="datetimeFigureOut">
               <a:rPr lang="de-DE" smtClean="0"/>
-              <a:t>24.04.2025</a:t>
+              <a:t>21.11.2025</a:t>
             </a:fld>
             <a:endParaRPr lang="de-DE"/>
           </a:p>
@@ -19155,7 +19155,7 @@
         </p:nvGrpSpPr>
         <p:grpSpPr>
           <a:xfrm>
-            <a:off x="1950519" y="1085485"/>
+            <a:off x="2065146" y="1189341"/>
             <a:ext cx="662608" cy="523220"/>
             <a:chOff x="668600" y="2123782"/>
             <a:chExt cx="662608" cy="523220"/>
@@ -19269,7 +19269,7 @@
         </p:nvGrpSpPr>
         <p:grpSpPr>
           <a:xfrm>
-            <a:off x="6530359" y="962650"/>
+            <a:off x="6097300" y="1112905"/>
             <a:ext cx="662608" cy="508072"/>
             <a:chOff x="662610" y="2131356"/>
             <a:chExt cx="662608" cy="508072"/>
@@ -19363,7 +19363,7 @@
                   </a:solidFill>
                   <a:latin typeface="Tw Cen MT" panose="020B0602020104020603" pitchFamily="34" charset="0"/>
                 </a:rPr>
-                <a:t>02</a:t>
+                <a:t>04</a:t>
               </a:r>
             </a:p>
           </p:txBody>
@@ -19383,7 +19383,7 @@
         </p:nvGrpSpPr>
         <p:grpSpPr>
           <a:xfrm>
-            <a:off x="2463971" y="794908"/>
+            <a:off x="6392191" y="1074271"/>
             <a:ext cx="3048141" cy="1175555"/>
             <a:chOff x="1381462" y="3497665"/>
             <a:chExt cx="3048141" cy="1175555"/>
@@ -19468,7 +19468,7 @@
                   </a:solidFill>
                   <a:latin typeface="Tw Cen MT" panose="020B0602020104020603" pitchFamily="34" charset="0"/>
                 </a:rPr>
-                <a:t>Leader, E23CSEU0022</a:t>
+                <a:t>Member</a:t>
               </a:r>
             </a:p>
           </p:txBody>
@@ -19528,7 +19528,7 @@
         </p:nvGrpSpPr>
         <p:grpSpPr>
           <a:xfrm>
-            <a:off x="6987833" y="794908"/>
+            <a:off x="2293499" y="1096203"/>
             <a:ext cx="3048141" cy="1190679"/>
             <a:chOff x="6667645" y="2993799"/>
             <a:chExt cx="3048141" cy="1190679"/>
@@ -19613,7 +19613,7 @@
                   </a:solidFill>
                   <a:latin typeface="Tw Cen MT" panose="020B0602020104020603" pitchFamily="34" charset="0"/>
                 </a:rPr>
-                <a:t>Member , E23CSEU0014</a:t>
+                <a:t>Leader </a:t>
               </a:r>
             </a:p>
           </p:txBody>
@@ -19720,90 +19720,6 @@
       </p:sp>
       <p:sp>
         <p:nvSpPr>
-          <p:cNvPr id="3" name="TextBox 2">
-            <a:extLst>
-              <a:ext uri="{FF2B5EF4-FFF2-40B4-BE49-F238E27FC236}">
-                <a16:creationId xmlns:a16="http://schemas.microsoft.com/office/drawing/2014/main" id="{FCB22997-FBD2-3809-3EEA-6F6F019195D8}"/>
-              </a:ext>
-            </a:extLst>
-          </p:cNvPr>
-          <p:cNvSpPr txBox="1"/>
-          <p:nvPr/>
-        </p:nvSpPr>
-        <p:spPr>
-          <a:xfrm>
-            <a:off x="4310103" y="2354199"/>
-            <a:ext cx="2644771" cy="461665"/>
-          </a:xfrm>
-          <a:prstGeom prst="rect">
-            <a:avLst/>
-          </a:prstGeom>
-          <a:noFill/>
-        </p:spPr>
-        <p:txBody>
-          <a:bodyPr wrap="square" rtlCol="0">
-            <a:spAutoFit/>
-          </a:bodyPr>
-          <a:lstStyle/>
-          <a:p>
-            <a:pPr algn="ctr"/>
-            <a:r>
-              <a:rPr lang="en-US" sz="2400" dirty="0">
-                <a:solidFill>
-                  <a:srgbClr val="52C9BD"/>
-                </a:solidFill>
-                <a:latin typeface="Tw Cen MT" panose="020B0602020104020603" pitchFamily="34" charset="0"/>
-              </a:rPr>
-              <a:t>Shivam Jain</a:t>
-            </a:r>
-          </a:p>
-        </p:txBody>
-      </p:sp>
-      <p:sp>
-        <p:nvSpPr>
-          <p:cNvPr id="4" name="TextBox 3">
-            <a:extLst>
-              <a:ext uri="{FF2B5EF4-FFF2-40B4-BE49-F238E27FC236}">
-                <a16:creationId xmlns:a16="http://schemas.microsoft.com/office/drawing/2014/main" id="{12BF7770-19A2-71D8-C8C6-083A1FFC1EFA}"/>
-              </a:ext>
-            </a:extLst>
-          </p:cNvPr>
-          <p:cNvSpPr txBox="1"/>
-          <p:nvPr/>
-        </p:nvSpPr>
-        <p:spPr>
-          <a:xfrm>
-            <a:off x="4310103" y="2791810"/>
-            <a:ext cx="2644771" cy="369332"/>
-          </a:xfrm>
-          <a:prstGeom prst="rect">
-            <a:avLst/>
-          </a:prstGeom>
-          <a:noFill/>
-        </p:spPr>
-        <p:txBody>
-          <a:bodyPr wrap="square" rtlCol="0">
-            <a:spAutoFit/>
-          </a:bodyPr>
-          <a:lstStyle/>
-          <a:p>
-            <a:pPr algn="ctr"/>
-            <a:r>
-              <a:rPr lang="en-US" dirty="0">
-                <a:solidFill>
-                  <a:schemeClr val="bg1">
-                    <a:lumMod val="65000"/>
-                  </a:schemeClr>
-                </a:solidFill>
-                <a:latin typeface="Tw Cen MT" panose="020B0602020104020603" pitchFamily="34" charset="0"/>
-              </a:rPr>
-              <a:t>Member, E23CSEU0017</a:t>
-            </a:r>
-          </a:p>
-        </p:txBody>
-      </p:sp>
-      <p:sp>
-        <p:nvSpPr>
           <p:cNvPr id="5" name="TextBox 4">
             <a:extLst>
               <a:ext uri="{FF2B5EF4-FFF2-40B4-BE49-F238E27FC236}">
@@ -19844,10 +19760,10 @@
       </p:sp>
       <p:grpSp>
         <p:nvGrpSpPr>
-          <p:cNvPr id="7" name="Group 6">
+          <p:cNvPr id="6" name="Group 5">
             <a:extLst>
               <a:ext uri="{FF2B5EF4-FFF2-40B4-BE49-F238E27FC236}">
-                <a16:creationId xmlns:a16="http://schemas.microsoft.com/office/drawing/2014/main" id="{A33A3E32-B0B8-EE85-B737-4BF868A6A77A}"/>
+                <a16:creationId xmlns:a16="http://schemas.microsoft.com/office/drawing/2014/main" id="{AB3B98FC-1F8E-3752-0C4A-4C6FA21C3F04}"/>
               </a:ext>
             </a:extLst>
           </p:cNvPr>
@@ -19856,18 +19772,18 @@
         </p:nvGrpSpPr>
         <p:grpSpPr>
           <a:xfrm>
-            <a:off x="3795828" y="2508533"/>
+            <a:off x="6007266" y="4788790"/>
             <a:ext cx="662608" cy="523220"/>
-            <a:chOff x="1190994" y="2727163"/>
+            <a:chOff x="668600" y="2123782"/>
             <a:chExt cx="662608" cy="523220"/>
           </a:xfrm>
         </p:grpSpPr>
         <p:sp>
           <p:nvSpPr>
-            <p:cNvPr id="8" name="Oval 7">
+            <p:cNvPr id="10" name="Oval 9">
               <a:extLst>
                 <a:ext uri="{FF2B5EF4-FFF2-40B4-BE49-F238E27FC236}">
-                  <a16:creationId xmlns:a16="http://schemas.microsoft.com/office/drawing/2014/main" id="{204532AA-59E4-2EF2-31B0-AA3D4D7BF1ED}"/>
+                  <a16:creationId xmlns:a16="http://schemas.microsoft.com/office/drawing/2014/main" id="{43076CE0-215F-0481-7787-B8E980981784}"/>
                 </a:ext>
               </a:extLst>
             </p:cNvPr>
@@ -19876,7 +19792,7 @@
           </p:nvSpPr>
           <p:spPr>
             <a:xfrm>
-              <a:off x="1287984" y="2727163"/>
+              <a:off x="732304" y="2123782"/>
               <a:ext cx="523220" cy="523220"/>
             </a:xfrm>
             <a:prstGeom prst="ellipse">
@@ -19910,20 +19826,16 @@
             <a:lstStyle/>
             <a:p>
               <a:pPr algn="ctr"/>
-              <a:endParaRPr lang="en-US" dirty="0">
-                <a:solidFill>
-                  <a:schemeClr val="tx1"/>
-                </a:solidFill>
-              </a:endParaRPr>
+              <a:endParaRPr lang="en-US" dirty="0"/>
             </a:p>
           </p:txBody>
         </p:sp>
         <p:sp>
           <p:nvSpPr>
-            <p:cNvPr id="9" name="TextBox 8">
+            <p:cNvPr id="11" name="TextBox 10">
               <a:extLst>
                 <a:ext uri="{FF2B5EF4-FFF2-40B4-BE49-F238E27FC236}">
-                  <a16:creationId xmlns:a16="http://schemas.microsoft.com/office/drawing/2014/main" id="{905E62B7-E27A-2B40-B107-142267A10DDA}"/>
+                  <a16:creationId xmlns:a16="http://schemas.microsoft.com/office/drawing/2014/main" id="{C6FDB314-255E-0C27-42ED-F405FE0BD75D}"/>
                 </a:ext>
               </a:extLst>
             </p:cNvPr>
@@ -19932,7 +19844,7 @@
           </p:nvSpPr>
           <p:spPr>
             <a:xfrm>
-              <a:off x="1190994" y="2757135"/>
+              <a:off x="668600" y="2154559"/>
               <a:ext cx="662608" cy="461665"/>
             </a:xfrm>
             <a:prstGeom prst="rect">
@@ -19949,10 +19861,935 @@
               <a:pPr algn="ctr"/>
               <a:r>
                 <a:rPr lang="en-US" sz="2400" b="1" dirty="0">
+                  <a:solidFill>
+                    <a:srgbClr val="E6E7E9"/>
+                  </a:solidFill>
                   <a:latin typeface="Tw Cen MT" panose="020B0602020104020603" pitchFamily="34" charset="0"/>
                 </a:rPr>
-                <a:t> 03</a:t>
+                <a:t>06</a:t>
               </a:r>
+            </a:p>
+          </p:txBody>
+        </p:sp>
+      </p:grpSp>
+      <p:grpSp>
+        <p:nvGrpSpPr>
+          <p:cNvPr id="12" name="Group 11">
+            <a:extLst>
+              <a:ext uri="{FF2B5EF4-FFF2-40B4-BE49-F238E27FC236}">
+                <a16:creationId xmlns:a16="http://schemas.microsoft.com/office/drawing/2014/main" id="{9E3CD5B9-56EC-E24E-22B5-E84860806E35}"/>
+              </a:ext>
+            </a:extLst>
+          </p:cNvPr>
+          <p:cNvGrpSpPr/>
+          <p:nvPr/>
+        </p:nvGrpSpPr>
+        <p:grpSpPr>
+          <a:xfrm>
+            <a:off x="6190506" y="4631144"/>
+            <a:ext cx="3048141" cy="1175555"/>
+            <a:chOff x="1381462" y="3497665"/>
+            <a:chExt cx="3048141" cy="1175555"/>
+          </a:xfrm>
+        </p:grpSpPr>
+        <p:sp>
+          <p:nvSpPr>
+            <p:cNvPr id="13" name="TextBox 12">
+              <a:extLst>
+                <a:ext uri="{FF2B5EF4-FFF2-40B4-BE49-F238E27FC236}">
+                  <a16:creationId xmlns:a16="http://schemas.microsoft.com/office/drawing/2014/main" id="{20E1D510-A885-D4F4-5149-73B19BB06D4E}"/>
+                </a:ext>
+              </a:extLst>
+            </p:cNvPr>
+            <p:cNvSpPr txBox="1"/>
+            <p:nvPr/>
+          </p:nvSpPr>
+          <p:spPr>
+            <a:xfrm>
+              <a:off x="1583147" y="3497665"/>
+              <a:ext cx="2644771" cy="461665"/>
+            </a:xfrm>
+            <a:prstGeom prst="rect">
+              <a:avLst/>
+            </a:prstGeom>
+            <a:noFill/>
+          </p:spPr>
+          <p:txBody>
+            <a:bodyPr wrap="square" rtlCol="0">
+              <a:spAutoFit/>
+            </a:bodyPr>
+            <a:lstStyle/>
+            <a:p>
+              <a:pPr algn="ctr"/>
+              <a:r>
+                <a:rPr lang="en-US" sz="2400" dirty="0">
+                  <a:solidFill>
+                    <a:srgbClr val="FF5969"/>
+                  </a:solidFill>
+                  <a:latin typeface="Tw Cen MT" panose="020B0602020104020603" pitchFamily="34" charset="0"/>
+                </a:rPr>
+                <a:t>Pallav Sharma</a:t>
+              </a:r>
+            </a:p>
+          </p:txBody>
+        </p:sp>
+        <p:sp>
+          <p:nvSpPr>
+            <p:cNvPr id="14" name="TextBox 13">
+              <a:extLst>
+                <a:ext uri="{FF2B5EF4-FFF2-40B4-BE49-F238E27FC236}">
+                  <a16:creationId xmlns:a16="http://schemas.microsoft.com/office/drawing/2014/main" id="{55B65026-13FE-C474-E817-740BAC4BFC0D}"/>
+                </a:ext>
+              </a:extLst>
+            </p:cNvPr>
+            <p:cNvSpPr txBox="1"/>
+            <p:nvPr/>
+          </p:nvSpPr>
+          <p:spPr>
+            <a:xfrm>
+              <a:off x="1583147" y="3935276"/>
+              <a:ext cx="2644771" cy="369332"/>
+            </a:xfrm>
+            <a:prstGeom prst="rect">
+              <a:avLst/>
+            </a:prstGeom>
+            <a:noFill/>
+          </p:spPr>
+          <p:txBody>
+            <a:bodyPr wrap="square" rtlCol="0">
+              <a:spAutoFit/>
+            </a:bodyPr>
+            <a:lstStyle/>
+            <a:p>
+              <a:pPr algn="ctr"/>
+              <a:r>
+                <a:rPr lang="en-US" dirty="0">
+                  <a:solidFill>
+                    <a:schemeClr val="bg1">
+                      <a:lumMod val="65000"/>
+                    </a:schemeClr>
+                  </a:solidFill>
+                  <a:latin typeface="Tw Cen MT" panose="020B0602020104020603" pitchFamily="34" charset="0"/>
+                </a:rPr>
+                <a:t>Member,</a:t>
+              </a:r>
+            </a:p>
+          </p:txBody>
+        </p:sp>
+        <p:sp>
+          <p:nvSpPr>
+            <p:cNvPr id="15" name="TextBox 14">
+              <a:extLst>
+                <a:ext uri="{FF2B5EF4-FFF2-40B4-BE49-F238E27FC236}">
+                  <a16:creationId xmlns:a16="http://schemas.microsoft.com/office/drawing/2014/main" id="{CA3999A2-4BD8-67D5-2D9F-DA6F3A6F9808}"/>
+                </a:ext>
+              </a:extLst>
+            </p:cNvPr>
+            <p:cNvSpPr txBox="1"/>
+            <p:nvPr/>
+          </p:nvSpPr>
+          <p:spPr>
+            <a:xfrm>
+              <a:off x="1381462" y="4303888"/>
+              <a:ext cx="3048141" cy="369332"/>
+            </a:xfrm>
+            <a:prstGeom prst="rect">
+              <a:avLst/>
+            </a:prstGeom>
+            <a:noFill/>
+          </p:spPr>
+          <p:txBody>
+            <a:bodyPr wrap="square" rtlCol="0">
+              <a:spAutoFit/>
+            </a:bodyPr>
+            <a:lstStyle/>
+            <a:p>
+              <a:pPr algn="ctr"/>
+              <a:endParaRPr lang="en-US" dirty="0">
+                <a:solidFill>
+                  <a:schemeClr val="bg1">
+                    <a:lumMod val="65000"/>
+                  </a:schemeClr>
+                </a:solidFill>
+                <a:latin typeface="Tw Cen MT" panose="020B0602020104020603" pitchFamily="34" charset="0"/>
+              </a:endParaRPr>
+            </a:p>
+          </p:txBody>
+        </p:sp>
+      </p:grpSp>
+      <p:grpSp>
+        <p:nvGrpSpPr>
+          <p:cNvPr id="16" name="Group 15">
+            <a:extLst>
+              <a:ext uri="{FF2B5EF4-FFF2-40B4-BE49-F238E27FC236}">
+                <a16:creationId xmlns:a16="http://schemas.microsoft.com/office/drawing/2014/main" id="{DF3FAC03-8985-511B-AE5B-F348CAAB1C50}"/>
+              </a:ext>
+            </a:extLst>
+          </p:cNvPr>
+          <p:cNvGrpSpPr/>
+          <p:nvPr/>
+        </p:nvGrpSpPr>
+        <p:grpSpPr>
+          <a:xfrm>
+            <a:off x="2151896" y="4896698"/>
+            <a:ext cx="662608" cy="523220"/>
+            <a:chOff x="668600" y="2123782"/>
+            <a:chExt cx="662608" cy="523220"/>
+          </a:xfrm>
+        </p:grpSpPr>
+        <p:sp>
+          <p:nvSpPr>
+            <p:cNvPr id="17" name="Oval 16">
+              <a:extLst>
+                <a:ext uri="{FF2B5EF4-FFF2-40B4-BE49-F238E27FC236}">
+                  <a16:creationId xmlns:a16="http://schemas.microsoft.com/office/drawing/2014/main" id="{2DFC139E-36D7-D1A2-5005-EA2E9AFF4EE1}"/>
+                </a:ext>
+              </a:extLst>
+            </p:cNvPr>
+            <p:cNvSpPr/>
+            <p:nvPr/>
+          </p:nvSpPr>
+          <p:spPr>
+            <a:xfrm>
+              <a:off x="732304" y="2123782"/>
+              <a:ext cx="523220" cy="523220"/>
+            </a:xfrm>
+            <a:prstGeom prst="ellipse">
+              <a:avLst/>
+            </a:prstGeom>
+            <a:solidFill>
+              <a:srgbClr val="FF5969"/>
+            </a:solidFill>
+            <a:ln>
+              <a:noFill/>
+            </a:ln>
+          </p:spPr>
+          <p:style>
+            <a:lnRef idx="2">
+              <a:schemeClr val="accent1">
+                <a:shade val="50000"/>
+              </a:schemeClr>
+            </a:lnRef>
+            <a:fillRef idx="1">
+              <a:schemeClr val="accent1"/>
+            </a:fillRef>
+            <a:effectRef idx="0">
+              <a:schemeClr val="accent1"/>
+            </a:effectRef>
+            <a:fontRef idx="minor">
+              <a:schemeClr val="lt1"/>
+            </a:fontRef>
+          </p:style>
+          <p:txBody>
+            <a:bodyPr rtlCol="0" anchor="ctr"/>
+            <a:lstStyle/>
+            <a:p>
+              <a:pPr algn="ctr"/>
+              <a:endParaRPr lang="en-US" dirty="0"/>
+            </a:p>
+          </p:txBody>
+        </p:sp>
+        <p:sp>
+          <p:nvSpPr>
+            <p:cNvPr id="18" name="TextBox 17">
+              <a:extLst>
+                <a:ext uri="{FF2B5EF4-FFF2-40B4-BE49-F238E27FC236}">
+                  <a16:creationId xmlns:a16="http://schemas.microsoft.com/office/drawing/2014/main" id="{479B7AF7-17EF-208F-15AF-3768B0326225}"/>
+                </a:ext>
+              </a:extLst>
+            </p:cNvPr>
+            <p:cNvSpPr txBox="1"/>
+            <p:nvPr/>
+          </p:nvSpPr>
+          <p:spPr>
+            <a:xfrm>
+              <a:off x="668600" y="2154559"/>
+              <a:ext cx="662608" cy="461665"/>
+            </a:xfrm>
+            <a:prstGeom prst="rect">
+              <a:avLst/>
+            </a:prstGeom>
+            <a:noFill/>
+          </p:spPr>
+          <p:txBody>
+            <a:bodyPr wrap="square" rtlCol="0">
+              <a:spAutoFit/>
+            </a:bodyPr>
+            <a:lstStyle/>
+            <a:p>
+              <a:pPr algn="ctr"/>
+              <a:r>
+                <a:rPr lang="en-US" sz="2400" b="1" dirty="0">
+                  <a:solidFill>
+                    <a:srgbClr val="E6E7E9"/>
+                  </a:solidFill>
+                  <a:latin typeface="Tw Cen MT" panose="020B0602020104020603" pitchFamily="34" charset="0"/>
+                </a:rPr>
+                <a:t>03</a:t>
+              </a:r>
+            </a:p>
+          </p:txBody>
+        </p:sp>
+      </p:grpSp>
+      <p:grpSp>
+        <p:nvGrpSpPr>
+          <p:cNvPr id="19" name="Group 18">
+            <a:extLst>
+              <a:ext uri="{FF2B5EF4-FFF2-40B4-BE49-F238E27FC236}">
+                <a16:creationId xmlns:a16="http://schemas.microsoft.com/office/drawing/2014/main" id="{9007DA3B-FFE2-50BF-6117-CCBE76780A83}"/>
+              </a:ext>
+            </a:extLst>
+          </p:cNvPr>
+          <p:cNvGrpSpPr/>
+          <p:nvPr/>
+        </p:nvGrpSpPr>
+        <p:grpSpPr>
+          <a:xfrm>
+            <a:off x="2267696" y="4779288"/>
+            <a:ext cx="3048141" cy="1175555"/>
+            <a:chOff x="1381462" y="3497665"/>
+            <a:chExt cx="3048141" cy="1175555"/>
+          </a:xfrm>
+        </p:grpSpPr>
+        <p:sp>
+          <p:nvSpPr>
+            <p:cNvPr id="20" name="TextBox 19">
+              <a:extLst>
+                <a:ext uri="{FF2B5EF4-FFF2-40B4-BE49-F238E27FC236}">
+                  <a16:creationId xmlns:a16="http://schemas.microsoft.com/office/drawing/2014/main" id="{FB797551-4F2E-E376-DB15-E326CB421D7F}"/>
+                </a:ext>
+              </a:extLst>
+            </p:cNvPr>
+            <p:cNvSpPr txBox="1"/>
+            <p:nvPr/>
+          </p:nvSpPr>
+          <p:spPr>
+            <a:xfrm>
+              <a:off x="1583147" y="3497665"/>
+              <a:ext cx="2644771" cy="461665"/>
+            </a:xfrm>
+            <a:prstGeom prst="rect">
+              <a:avLst/>
+            </a:prstGeom>
+            <a:noFill/>
+          </p:spPr>
+          <p:txBody>
+            <a:bodyPr wrap="square" rtlCol="0">
+              <a:spAutoFit/>
+            </a:bodyPr>
+            <a:lstStyle/>
+            <a:p>
+              <a:pPr algn="ctr"/>
+              <a:r>
+                <a:rPr lang="en-US" sz="2400" dirty="0">
+                  <a:solidFill>
+                    <a:srgbClr val="FF5969"/>
+                  </a:solidFill>
+                  <a:latin typeface="Tw Cen MT" panose="020B0602020104020603" pitchFamily="34" charset="0"/>
+                </a:rPr>
+                <a:t>Pallav Sharma</a:t>
+              </a:r>
+            </a:p>
+          </p:txBody>
+        </p:sp>
+        <p:sp>
+          <p:nvSpPr>
+            <p:cNvPr id="21" name="TextBox 20">
+              <a:extLst>
+                <a:ext uri="{FF2B5EF4-FFF2-40B4-BE49-F238E27FC236}">
+                  <a16:creationId xmlns:a16="http://schemas.microsoft.com/office/drawing/2014/main" id="{AD1B1D8C-CAC7-A0A5-B366-C160427EF11C}"/>
+                </a:ext>
+              </a:extLst>
+            </p:cNvPr>
+            <p:cNvSpPr txBox="1"/>
+            <p:nvPr/>
+          </p:nvSpPr>
+          <p:spPr>
+            <a:xfrm>
+              <a:off x="1583147" y="3935276"/>
+              <a:ext cx="2644771" cy="369332"/>
+            </a:xfrm>
+            <a:prstGeom prst="rect">
+              <a:avLst/>
+            </a:prstGeom>
+            <a:noFill/>
+          </p:spPr>
+          <p:txBody>
+            <a:bodyPr wrap="square" rtlCol="0">
+              <a:spAutoFit/>
+            </a:bodyPr>
+            <a:lstStyle/>
+            <a:p>
+              <a:pPr algn="ctr"/>
+              <a:r>
+                <a:rPr lang="en-US" dirty="0">
+                  <a:solidFill>
+                    <a:schemeClr val="bg1">
+                      <a:lumMod val="65000"/>
+                    </a:schemeClr>
+                  </a:solidFill>
+                  <a:latin typeface="Tw Cen MT" panose="020B0602020104020603" pitchFamily="34" charset="0"/>
+                </a:rPr>
+                <a:t>Member</a:t>
+              </a:r>
+            </a:p>
+          </p:txBody>
+        </p:sp>
+        <p:sp>
+          <p:nvSpPr>
+            <p:cNvPr id="22" name="TextBox 21">
+              <a:extLst>
+                <a:ext uri="{FF2B5EF4-FFF2-40B4-BE49-F238E27FC236}">
+                  <a16:creationId xmlns:a16="http://schemas.microsoft.com/office/drawing/2014/main" id="{232B6702-2824-B497-DA24-92267D52EAFB}"/>
+                </a:ext>
+              </a:extLst>
+            </p:cNvPr>
+            <p:cNvSpPr txBox="1"/>
+            <p:nvPr/>
+          </p:nvSpPr>
+          <p:spPr>
+            <a:xfrm>
+              <a:off x="1381462" y="4303888"/>
+              <a:ext cx="3048141" cy="369332"/>
+            </a:xfrm>
+            <a:prstGeom prst="rect">
+              <a:avLst/>
+            </a:prstGeom>
+            <a:noFill/>
+          </p:spPr>
+          <p:txBody>
+            <a:bodyPr wrap="square" rtlCol="0">
+              <a:spAutoFit/>
+            </a:bodyPr>
+            <a:lstStyle/>
+            <a:p>
+              <a:pPr algn="ctr"/>
+              <a:endParaRPr lang="en-US" dirty="0">
+                <a:solidFill>
+                  <a:schemeClr val="bg1">
+                    <a:lumMod val="65000"/>
+                  </a:schemeClr>
+                </a:solidFill>
+                <a:latin typeface="Tw Cen MT" panose="020B0602020104020603" pitchFamily="34" charset="0"/>
+              </a:endParaRPr>
+            </a:p>
+          </p:txBody>
+        </p:sp>
+      </p:grpSp>
+      <p:grpSp>
+        <p:nvGrpSpPr>
+          <p:cNvPr id="23" name="Group 22">
+            <a:extLst>
+              <a:ext uri="{FF2B5EF4-FFF2-40B4-BE49-F238E27FC236}">
+                <a16:creationId xmlns:a16="http://schemas.microsoft.com/office/drawing/2014/main" id="{050228D3-3A12-FF57-2550-AA2D9B65735A}"/>
+              </a:ext>
+            </a:extLst>
+          </p:cNvPr>
+          <p:cNvGrpSpPr/>
+          <p:nvPr/>
+        </p:nvGrpSpPr>
+        <p:grpSpPr>
+          <a:xfrm>
+            <a:off x="5997741" y="2867230"/>
+            <a:ext cx="662608" cy="523220"/>
+            <a:chOff x="668600" y="2123782"/>
+            <a:chExt cx="662608" cy="523220"/>
+          </a:xfrm>
+        </p:grpSpPr>
+        <p:sp>
+          <p:nvSpPr>
+            <p:cNvPr id="24" name="Oval 23">
+              <a:extLst>
+                <a:ext uri="{FF2B5EF4-FFF2-40B4-BE49-F238E27FC236}">
+                  <a16:creationId xmlns:a16="http://schemas.microsoft.com/office/drawing/2014/main" id="{5417F064-633A-28AA-52C6-664770210213}"/>
+                </a:ext>
+              </a:extLst>
+            </p:cNvPr>
+            <p:cNvSpPr/>
+            <p:nvPr/>
+          </p:nvSpPr>
+          <p:spPr>
+            <a:xfrm>
+              <a:off x="732304" y="2123782"/>
+              <a:ext cx="523220" cy="523220"/>
+            </a:xfrm>
+            <a:prstGeom prst="ellipse">
+              <a:avLst/>
+            </a:prstGeom>
+            <a:solidFill>
+              <a:srgbClr val="FF5969"/>
+            </a:solidFill>
+            <a:ln>
+              <a:noFill/>
+            </a:ln>
+          </p:spPr>
+          <p:style>
+            <a:lnRef idx="2">
+              <a:schemeClr val="accent1">
+                <a:shade val="50000"/>
+              </a:schemeClr>
+            </a:lnRef>
+            <a:fillRef idx="1">
+              <a:schemeClr val="accent1"/>
+            </a:fillRef>
+            <a:effectRef idx="0">
+              <a:schemeClr val="accent1"/>
+            </a:effectRef>
+            <a:fontRef idx="minor">
+              <a:schemeClr val="lt1"/>
+            </a:fontRef>
+          </p:style>
+          <p:txBody>
+            <a:bodyPr rtlCol="0" anchor="ctr"/>
+            <a:lstStyle/>
+            <a:p>
+              <a:pPr algn="ctr"/>
+              <a:endParaRPr lang="en-US" dirty="0"/>
+            </a:p>
+          </p:txBody>
+        </p:sp>
+        <p:sp>
+          <p:nvSpPr>
+            <p:cNvPr id="25" name="TextBox 24">
+              <a:extLst>
+                <a:ext uri="{FF2B5EF4-FFF2-40B4-BE49-F238E27FC236}">
+                  <a16:creationId xmlns:a16="http://schemas.microsoft.com/office/drawing/2014/main" id="{106B9CDA-1DAC-7B6D-3758-75D97B420C32}"/>
+                </a:ext>
+              </a:extLst>
+            </p:cNvPr>
+            <p:cNvSpPr txBox="1"/>
+            <p:nvPr/>
+          </p:nvSpPr>
+          <p:spPr>
+            <a:xfrm>
+              <a:off x="668600" y="2154559"/>
+              <a:ext cx="662608" cy="461665"/>
+            </a:xfrm>
+            <a:prstGeom prst="rect">
+              <a:avLst/>
+            </a:prstGeom>
+            <a:noFill/>
+          </p:spPr>
+          <p:txBody>
+            <a:bodyPr wrap="square" rtlCol="0">
+              <a:spAutoFit/>
+            </a:bodyPr>
+            <a:lstStyle/>
+            <a:p>
+              <a:pPr algn="ctr"/>
+              <a:r>
+                <a:rPr lang="en-US" sz="2400" b="1" dirty="0">
+                  <a:solidFill>
+                    <a:srgbClr val="E6E7E9"/>
+                  </a:solidFill>
+                  <a:latin typeface="Tw Cen MT" panose="020B0602020104020603" pitchFamily="34" charset="0"/>
+                </a:rPr>
+                <a:t>05</a:t>
+              </a:r>
+            </a:p>
+          </p:txBody>
+        </p:sp>
+      </p:grpSp>
+      <p:grpSp>
+        <p:nvGrpSpPr>
+          <p:cNvPr id="26" name="Group 25">
+            <a:extLst>
+              <a:ext uri="{FF2B5EF4-FFF2-40B4-BE49-F238E27FC236}">
+                <a16:creationId xmlns:a16="http://schemas.microsoft.com/office/drawing/2014/main" id="{F7DB294C-6139-E27D-411C-627D827024AD}"/>
+              </a:ext>
+            </a:extLst>
+          </p:cNvPr>
+          <p:cNvGrpSpPr/>
+          <p:nvPr/>
+        </p:nvGrpSpPr>
+        <p:grpSpPr>
+          <a:xfrm>
+            <a:off x="6229849" y="2952213"/>
+            <a:ext cx="3048141" cy="1175555"/>
+            <a:chOff x="1381462" y="3497665"/>
+            <a:chExt cx="3048141" cy="1175555"/>
+          </a:xfrm>
+        </p:grpSpPr>
+        <p:sp>
+          <p:nvSpPr>
+            <p:cNvPr id="27" name="TextBox 26">
+              <a:extLst>
+                <a:ext uri="{FF2B5EF4-FFF2-40B4-BE49-F238E27FC236}">
+                  <a16:creationId xmlns:a16="http://schemas.microsoft.com/office/drawing/2014/main" id="{674AA8E0-965E-2BB8-0BEE-269BCA9C77B9}"/>
+                </a:ext>
+              </a:extLst>
+            </p:cNvPr>
+            <p:cNvSpPr txBox="1"/>
+            <p:nvPr/>
+          </p:nvSpPr>
+          <p:spPr>
+            <a:xfrm>
+              <a:off x="1583147" y="3497665"/>
+              <a:ext cx="2644771" cy="461665"/>
+            </a:xfrm>
+            <a:prstGeom prst="rect">
+              <a:avLst/>
+            </a:prstGeom>
+            <a:noFill/>
+          </p:spPr>
+          <p:txBody>
+            <a:bodyPr wrap="square" rtlCol="0">
+              <a:spAutoFit/>
+            </a:bodyPr>
+            <a:lstStyle/>
+            <a:p>
+              <a:pPr algn="ctr"/>
+              <a:r>
+                <a:rPr lang="en-US" sz="2400" dirty="0">
+                  <a:solidFill>
+                    <a:srgbClr val="FF5969"/>
+                  </a:solidFill>
+                  <a:latin typeface="Tw Cen MT" panose="020B0602020104020603" pitchFamily="34" charset="0"/>
+                </a:rPr>
+                <a:t>Vishnu Chityala</a:t>
+              </a:r>
+            </a:p>
+          </p:txBody>
+        </p:sp>
+        <p:sp>
+          <p:nvSpPr>
+            <p:cNvPr id="28" name="TextBox 27">
+              <a:extLst>
+                <a:ext uri="{FF2B5EF4-FFF2-40B4-BE49-F238E27FC236}">
+                  <a16:creationId xmlns:a16="http://schemas.microsoft.com/office/drawing/2014/main" id="{79FC2573-91B7-7BA6-E373-F57DC1BD69A9}"/>
+                </a:ext>
+              </a:extLst>
+            </p:cNvPr>
+            <p:cNvSpPr txBox="1"/>
+            <p:nvPr/>
+          </p:nvSpPr>
+          <p:spPr>
+            <a:xfrm>
+              <a:off x="1583147" y="3935276"/>
+              <a:ext cx="2644771" cy="369332"/>
+            </a:xfrm>
+            <a:prstGeom prst="rect">
+              <a:avLst/>
+            </a:prstGeom>
+            <a:noFill/>
+          </p:spPr>
+          <p:txBody>
+            <a:bodyPr wrap="square" rtlCol="0">
+              <a:spAutoFit/>
+            </a:bodyPr>
+            <a:lstStyle/>
+            <a:p>
+              <a:pPr algn="ctr"/>
+              <a:r>
+                <a:rPr lang="en-US" dirty="0">
+                  <a:solidFill>
+                    <a:schemeClr val="bg1">
+                      <a:lumMod val="65000"/>
+                    </a:schemeClr>
+                  </a:solidFill>
+                  <a:latin typeface="Tw Cen MT" panose="020B0602020104020603" pitchFamily="34" charset="0"/>
+                </a:rPr>
+                <a:t>Member</a:t>
+              </a:r>
+            </a:p>
+          </p:txBody>
+        </p:sp>
+        <p:sp>
+          <p:nvSpPr>
+            <p:cNvPr id="29" name="TextBox 28">
+              <a:extLst>
+                <a:ext uri="{FF2B5EF4-FFF2-40B4-BE49-F238E27FC236}">
+                  <a16:creationId xmlns:a16="http://schemas.microsoft.com/office/drawing/2014/main" id="{58EE48EC-DB17-7A62-E72F-CF2421C2B596}"/>
+                </a:ext>
+              </a:extLst>
+            </p:cNvPr>
+            <p:cNvSpPr txBox="1"/>
+            <p:nvPr/>
+          </p:nvSpPr>
+          <p:spPr>
+            <a:xfrm>
+              <a:off x="1381462" y="4303888"/>
+              <a:ext cx="3048141" cy="369332"/>
+            </a:xfrm>
+            <a:prstGeom prst="rect">
+              <a:avLst/>
+            </a:prstGeom>
+            <a:noFill/>
+          </p:spPr>
+          <p:txBody>
+            <a:bodyPr wrap="square" rtlCol="0">
+              <a:spAutoFit/>
+            </a:bodyPr>
+            <a:lstStyle/>
+            <a:p>
+              <a:pPr algn="ctr"/>
+              <a:endParaRPr lang="en-US" dirty="0">
+                <a:solidFill>
+                  <a:schemeClr val="bg1">
+                    <a:lumMod val="65000"/>
+                  </a:schemeClr>
+                </a:solidFill>
+                <a:latin typeface="Tw Cen MT" panose="020B0602020104020603" pitchFamily="34" charset="0"/>
+              </a:endParaRPr>
+            </a:p>
+          </p:txBody>
+        </p:sp>
+      </p:grpSp>
+      <p:grpSp>
+        <p:nvGrpSpPr>
+          <p:cNvPr id="30" name="Group 29">
+            <a:extLst>
+              <a:ext uri="{FF2B5EF4-FFF2-40B4-BE49-F238E27FC236}">
+                <a16:creationId xmlns:a16="http://schemas.microsoft.com/office/drawing/2014/main" id="{04FCF1CA-20A0-0F6A-748E-422A5F515857}"/>
+              </a:ext>
+            </a:extLst>
+          </p:cNvPr>
+          <p:cNvGrpSpPr/>
+          <p:nvPr/>
+        </p:nvGrpSpPr>
+        <p:grpSpPr>
+          <a:xfrm>
+            <a:off x="2073253" y="2984315"/>
+            <a:ext cx="662608" cy="523220"/>
+            <a:chOff x="668600" y="2123782"/>
+            <a:chExt cx="662608" cy="523220"/>
+          </a:xfrm>
+        </p:grpSpPr>
+        <p:sp>
+          <p:nvSpPr>
+            <p:cNvPr id="31" name="Oval 30">
+              <a:extLst>
+                <a:ext uri="{FF2B5EF4-FFF2-40B4-BE49-F238E27FC236}">
+                  <a16:creationId xmlns:a16="http://schemas.microsoft.com/office/drawing/2014/main" id="{2855B60D-4B26-1ECC-9F3B-7CD35789E0BE}"/>
+                </a:ext>
+              </a:extLst>
+            </p:cNvPr>
+            <p:cNvSpPr/>
+            <p:nvPr/>
+          </p:nvSpPr>
+          <p:spPr>
+            <a:xfrm>
+              <a:off x="732304" y="2123782"/>
+              <a:ext cx="523220" cy="523220"/>
+            </a:xfrm>
+            <a:prstGeom prst="ellipse">
+              <a:avLst/>
+            </a:prstGeom>
+            <a:solidFill>
+              <a:srgbClr val="FF5969"/>
+            </a:solidFill>
+            <a:ln>
+              <a:noFill/>
+            </a:ln>
+          </p:spPr>
+          <p:style>
+            <a:lnRef idx="2">
+              <a:schemeClr val="accent1">
+                <a:shade val="50000"/>
+              </a:schemeClr>
+            </a:lnRef>
+            <a:fillRef idx="1">
+              <a:schemeClr val="accent1"/>
+            </a:fillRef>
+            <a:effectRef idx="0">
+              <a:schemeClr val="accent1"/>
+            </a:effectRef>
+            <a:fontRef idx="minor">
+              <a:schemeClr val="lt1"/>
+            </a:fontRef>
+          </p:style>
+          <p:txBody>
+            <a:bodyPr rtlCol="0" anchor="ctr"/>
+            <a:lstStyle/>
+            <a:p>
+              <a:pPr algn="ctr"/>
+              <a:endParaRPr lang="en-US" dirty="0"/>
+            </a:p>
+          </p:txBody>
+        </p:sp>
+        <p:sp>
+          <p:nvSpPr>
+            <p:cNvPr id="32" name="TextBox 31">
+              <a:extLst>
+                <a:ext uri="{FF2B5EF4-FFF2-40B4-BE49-F238E27FC236}">
+                  <a16:creationId xmlns:a16="http://schemas.microsoft.com/office/drawing/2014/main" id="{19ABBAAE-C52D-CDB6-3B74-515AE6B6E0BC}"/>
+                </a:ext>
+              </a:extLst>
+            </p:cNvPr>
+            <p:cNvSpPr txBox="1"/>
+            <p:nvPr/>
+          </p:nvSpPr>
+          <p:spPr>
+            <a:xfrm>
+              <a:off x="668600" y="2154559"/>
+              <a:ext cx="662608" cy="461665"/>
+            </a:xfrm>
+            <a:prstGeom prst="rect">
+              <a:avLst/>
+            </a:prstGeom>
+            <a:noFill/>
+          </p:spPr>
+          <p:txBody>
+            <a:bodyPr wrap="square" rtlCol="0">
+              <a:spAutoFit/>
+            </a:bodyPr>
+            <a:lstStyle/>
+            <a:p>
+              <a:pPr algn="ctr"/>
+              <a:r>
+                <a:rPr lang="en-US" sz="2400" b="1" dirty="0">
+                  <a:solidFill>
+                    <a:srgbClr val="E6E7E9"/>
+                  </a:solidFill>
+                  <a:latin typeface="Tw Cen MT" panose="020B0602020104020603" pitchFamily="34" charset="0"/>
+                </a:rPr>
+                <a:t>02</a:t>
+              </a:r>
+            </a:p>
+          </p:txBody>
+        </p:sp>
+      </p:grpSp>
+      <p:grpSp>
+        <p:nvGrpSpPr>
+          <p:cNvPr id="33" name="Group 32">
+            <a:extLst>
+              <a:ext uri="{FF2B5EF4-FFF2-40B4-BE49-F238E27FC236}">
+                <a16:creationId xmlns:a16="http://schemas.microsoft.com/office/drawing/2014/main" id="{9DBA32C7-B18F-147F-77BC-D0E19C79B966}"/>
+              </a:ext>
+            </a:extLst>
+          </p:cNvPr>
+          <p:cNvGrpSpPr/>
+          <p:nvPr/>
+        </p:nvGrpSpPr>
+        <p:grpSpPr>
+          <a:xfrm>
+            <a:off x="2017887" y="2986712"/>
+            <a:ext cx="3048141" cy="1175555"/>
+            <a:chOff x="1381462" y="3497665"/>
+            <a:chExt cx="3048141" cy="1175555"/>
+          </a:xfrm>
+        </p:grpSpPr>
+        <p:sp>
+          <p:nvSpPr>
+            <p:cNvPr id="34" name="TextBox 33">
+              <a:extLst>
+                <a:ext uri="{FF2B5EF4-FFF2-40B4-BE49-F238E27FC236}">
+                  <a16:creationId xmlns:a16="http://schemas.microsoft.com/office/drawing/2014/main" id="{24B83285-E626-06DF-0852-945C01A1718C}"/>
+                </a:ext>
+              </a:extLst>
+            </p:cNvPr>
+            <p:cNvSpPr txBox="1"/>
+            <p:nvPr/>
+          </p:nvSpPr>
+          <p:spPr>
+            <a:xfrm>
+              <a:off x="1583147" y="3497665"/>
+              <a:ext cx="2644771" cy="461665"/>
+            </a:xfrm>
+            <a:prstGeom prst="rect">
+              <a:avLst/>
+            </a:prstGeom>
+            <a:noFill/>
+          </p:spPr>
+          <p:txBody>
+            <a:bodyPr wrap="square" rtlCol="0">
+              <a:spAutoFit/>
+            </a:bodyPr>
+            <a:lstStyle/>
+            <a:p>
+              <a:pPr algn="ctr"/>
+              <a:r>
+                <a:rPr lang="en-US" sz="2400" dirty="0">
+                  <a:solidFill>
+                    <a:srgbClr val="FF5969"/>
+                  </a:solidFill>
+                  <a:latin typeface="Tw Cen MT" panose="020B0602020104020603" pitchFamily="34" charset="0"/>
+                </a:rPr>
+                <a:t>Reya Garg</a:t>
+              </a:r>
+            </a:p>
+          </p:txBody>
+        </p:sp>
+        <p:sp>
+          <p:nvSpPr>
+            <p:cNvPr id="35" name="TextBox 34">
+              <a:extLst>
+                <a:ext uri="{FF2B5EF4-FFF2-40B4-BE49-F238E27FC236}">
+                  <a16:creationId xmlns:a16="http://schemas.microsoft.com/office/drawing/2014/main" id="{21F5D97E-0D45-F68C-4C31-679991237C34}"/>
+                </a:ext>
+              </a:extLst>
+            </p:cNvPr>
+            <p:cNvSpPr txBox="1"/>
+            <p:nvPr/>
+          </p:nvSpPr>
+          <p:spPr>
+            <a:xfrm>
+              <a:off x="1583147" y="3935276"/>
+              <a:ext cx="2644771" cy="369332"/>
+            </a:xfrm>
+            <a:prstGeom prst="rect">
+              <a:avLst/>
+            </a:prstGeom>
+            <a:noFill/>
+          </p:spPr>
+          <p:txBody>
+            <a:bodyPr wrap="square" rtlCol="0">
+              <a:spAutoFit/>
+            </a:bodyPr>
+            <a:lstStyle/>
+            <a:p>
+              <a:pPr algn="ctr"/>
+              <a:r>
+                <a:rPr lang="en-US" dirty="0">
+                  <a:solidFill>
+                    <a:schemeClr val="bg1">
+                      <a:lumMod val="65000"/>
+                    </a:schemeClr>
+                  </a:solidFill>
+                  <a:latin typeface="Tw Cen MT" panose="020B0602020104020603" pitchFamily="34" charset="0"/>
+                </a:rPr>
+                <a:t>Member</a:t>
+              </a:r>
+            </a:p>
+          </p:txBody>
+        </p:sp>
+        <p:sp>
+          <p:nvSpPr>
+            <p:cNvPr id="36" name="TextBox 35">
+              <a:extLst>
+                <a:ext uri="{FF2B5EF4-FFF2-40B4-BE49-F238E27FC236}">
+                  <a16:creationId xmlns:a16="http://schemas.microsoft.com/office/drawing/2014/main" id="{40517FAE-6C99-F989-D4F9-ED504E82CED7}"/>
+                </a:ext>
+              </a:extLst>
+            </p:cNvPr>
+            <p:cNvSpPr txBox="1"/>
+            <p:nvPr/>
+          </p:nvSpPr>
+          <p:spPr>
+            <a:xfrm>
+              <a:off x="1381462" y="4303888"/>
+              <a:ext cx="3048141" cy="369332"/>
+            </a:xfrm>
+            <a:prstGeom prst="rect">
+              <a:avLst/>
+            </a:prstGeom>
+            <a:noFill/>
+          </p:spPr>
+          <p:txBody>
+            <a:bodyPr wrap="square" rtlCol="0">
+              <a:spAutoFit/>
+            </a:bodyPr>
+            <a:lstStyle/>
+            <a:p>
+              <a:pPr algn="ctr"/>
+              <a:endParaRPr lang="en-US" dirty="0">
+                <a:solidFill>
+                  <a:schemeClr val="bg1">
+                    <a:lumMod val="65000"/>
+                  </a:schemeClr>
+                </a:solidFill>
+                <a:latin typeface="Tw Cen MT" panose="020B0602020104020603" pitchFamily="34" charset="0"/>
+              </a:endParaRPr>
             </a:p>
           </p:txBody>
         </p:sp>
@@ -20376,7 +21213,7 @@
                                           </p:stCondLst>
                                         </p:cTn>
                                         <p:tgtEl>
-                                          <p:spTgt spid="7"/>
+                                          <p:spTgt spid="6"/>
                                         </p:tgtEl>
                                         <p:attrNameLst>
                                           <p:attrName>style.visibility</p:attrName>
@@ -20390,7 +21227,7 @@
                                       <p:cBhvr>
                                         <p:cTn id="31" dur="500" fill="hold"/>
                                         <p:tgtEl>
-                                          <p:spTgt spid="7"/>
+                                          <p:spTgt spid="6"/>
                                         </p:tgtEl>
                                         <p:attrNameLst>
                                           <p:attrName>ppt_w</p:attrName>
@@ -20413,7 +21250,7 @@
                                       <p:cBhvr>
                                         <p:cTn id="32" dur="500" fill="hold"/>
                                         <p:tgtEl>
-                                          <p:spTgt spid="7"/>
+                                          <p:spTgt spid="6"/>
                                         </p:tgtEl>
                                         <p:attrNameLst>
                                           <p:attrName>ppt_h</p:attrName>
@@ -20436,10 +21273,640 @@
                                       <p:cBhvr>
                                         <p:cTn id="33" dur="500"/>
                                         <p:tgtEl>
-                                          <p:spTgt spid="7"/>
+                                          <p:spTgt spid="6"/>
                                         </p:tgtEl>
                                       </p:cBhvr>
                                     </p:animEffect>
+                                  </p:childTnLst>
+                                </p:cTn>
+                              </p:par>
+                            </p:childTnLst>
+                          </p:cTn>
+                        </p:par>
+                        <p:par>
+                          <p:cTn id="34" fill="hold">
+                            <p:stCondLst>
+                              <p:cond delay="2500"/>
+                            </p:stCondLst>
+                            <p:childTnLst>
+                              <p:par>
+                                <p:cTn id="35" presetID="42" presetClass="entr" presetSubtype="0" fill="hold" nodeType="afterEffect">
+                                  <p:stCondLst>
+                                    <p:cond delay="0"/>
+                                  </p:stCondLst>
+                                  <p:childTnLst>
+                                    <p:set>
+                                      <p:cBhvr>
+                                        <p:cTn id="36" dur="1" fill="hold">
+                                          <p:stCondLst>
+                                            <p:cond delay="0"/>
+                                          </p:stCondLst>
+                                        </p:cTn>
+                                        <p:tgtEl>
+                                          <p:spTgt spid="12"/>
+                                        </p:tgtEl>
+                                        <p:attrNameLst>
+                                          <p:attrName>style.visibility</p:attrName>
+                                        </p:attrNameLst>
+                                      </p:cBhvr>
+                                      <p:to>
+                                        <p:strVal val="visible"/>
+                                      </p:to>
+                                    </p:set>
+                                    <p:animEffect transition="in" filter="fade">
+                                      <p:cBhvr>
+                                        <p:cTn id="37" dur="500"/>
+                                        <p:tgtEl>
+                                          <p:spTgt spid="12"/>
+                                        </p:tgtEl>
+                                      </p:cBhvr>
+                                    </p:animEffect>
+                                    <p:anim calcmode="lin" valueType="num">
+                                      <p:cBhvr>
+                                        <p:cTn id="38" dur="500" fill="hold"/>
+                                        <p:tgtEl>
+                                          <p:spTgt spid="12"/>
+                                        </p:tgtEl>
+                                        <p:attrNameLst>
+                                          <p:attrName>ppt_x</p:attrName>
+                                        </p:attrNameLst>
+                                      </p:cBhvr>
+                                      <p:tavLst>
+                                        <p:tav tm="0">
+                                          <p:val>
+                                            <p:strVal val="#ppt_x"/>
+                                          </p:val>
+                                        </p:tav>
+                                        <p:tav tm="100000">
+                                          <p:val>
+                                            <p:strVal val="#ppt_x"/>
+                                          </p:val>
+                                        </p:tav>
+                                      </p:tavLst>
+                                    </p:anim>
+                                    <p:anim calcmode="lin" valueType="num">
+                                      <p:cBhvr>
+                                        <p:cTn id="39" dur="500" fill="hold"/>
+                                        <p:tgtEl>
+                                          <p:spTgt spid="12"/>
+                                        </p:tgtEl>
+                                        <p:attrNameLst>
+                                          <p:attrName>ppt_y</p:attrName>
+                                        </p:attrNameLst>
+                                      </p:cBhvr>
+                                      <p:tavLst>
+                                        <p:tav tm="0">
+                                          <p:val>
+                                            <p:strVal val="#ppt_y+.1"/>
+                                          </p:val>
+                                        </p:tav>
+                                        <p:tav tm="100000">
+                                          <p:val>
+                                            <p:strVal val="#ppt_y"/>
+                                          </p:val>
+                                        </p:tav>
+                                      </p:tavLst>
+                                    </p:anim>
+                                  </p:childTnLst>
+                                </p:cTn>
+                              </p:par>
+                            </p:childTnLst>
+                          </p:cTn>
+                        </p:par>
+                        <p:par>
+                          <p:cTn id="40" fill="hold">
+                            <p:stCondLst>
+                              <p:cond delay="3000"/>
+                            </p:stCondLst>
+                            <p:childTnLst>
+                              <p:par>
+                                <p:cTn id="41" presetID="53" presetClass="entr" presetSubtype="16" fill="hold" nodeType="afterEffect">
+                                  <p:stCondLst>
+                                    <p:cond delay="0"/>
+                                  </p:stCondLst>
+                                  <p:childTnLst>
+                                    <p:set>
+                                      <p:cBhvr>
+                                        <p:cTn id="42" dur="1" fill="hold">
+                                          <p:stCondLst>
+                                            <p:cond delay="0"/>
+                                          </p:stCondLst>
+                                        </p:cTn>
+                                        <p:tgtEl>
+                                          <p:spTgt spid="16"/>
+                                        </p:tgtEl>
+                                        <p:attrNameLst>
+                                          <p:attrName>style.visibility</p:attrName>
+                                        </p:attrNameLst>
+                                      </p:cBhvr>
+                                      <p:to>
+                                        <p:strVal val="visible"/>
+                                      </p:to>
+                                    </p:set>
+                                    <p:anim calcmode="lin" valueType="num">
+                                      <p:cBhvr>
+                                        <p:cTn id="43" dur="500" fill="hold"/>
+                                        <p:tgtEl>
+                                          <p:spTgt spid="16"/>
+                                        </p:tgtEl>
+                                        <p:attrNameLst>
+                                          <p:attrName>ppt_w</p:attrName>
+                                        </p:attrNameLst>
+                                      </p:cBhvr>
+                                      <p:tavLst>
+                                        <p:tav tm="0">
+                                          <p:val>
+                                            <p:fltVal val="0"/>
+                                          </p:val>
+                                        </p:tav>
+                                        <p:tav tm="100000">
+                                          <p:val>
+                                            <p:strVal val="#ppt_w"/>
+                                          </p:val>
+                                        </p:tav>
+                                      </p:tavLst>
+                                    </p:anim>
+                                    <p:anim calcmode="lin" valueType="num">
+                                      <p:cBhvr>
+                                        <p:cTn id="44" dur="500" fill="hold"/>
+                                        <p:tgtEl>
+                                          <p:spTgt spid="16"/>
+                                        </p:tgtEl>
+                                        <p:attrNameLst>
+                                          <p:attrName>ppt_h</p:attrName>
+                                        </p:attrNameLst>
+                                      </p:cBhvr>
+                                      <p:tavLst>
+                                        <p:tav tm="0">
+                                          <p:val>
+                                            <p:fltVal val="0"/>
+                                          </p:val>
+                                        </p:tav>
+                                        <p:tav tm="100000">
+                                          <p:val>
+                                            <p:strVal val="#ppt_h"/>
+                                          </p:val>
+                                        </p:tav>
+                                      </p:tavLst>
+                                    </p:anim>
+                                    <p:animEffect transition="in" filter="fade">
+                                      <p:cBhvr>
+                                        <p:cTn id="45" dur="500"/>
+                                        <p:tgtEl>
+                                          <p:spTgt spid="16"/>
+                                        </p:tgtEl>
+                                      </p:cBhvr>
+                                    </p:animEffect>
+                                  </p:childTnLst>
+                                </p:cTn>
+                              </p:par>
+                            </p:childTnLst>
+                          </p:cTn>
+                        </p:par>
+                        <p:par>
+                          <p:cTn id="46" fill="hold">
+                            <p:stCondLst>
+                              <p:cond delay="3500"/>
+                            </p:stCondLst>
+                            <p:childTnLst>
+                              <p:par>
+                                <p:cTn id="47" presetID="42" presetClass="entr" presetSubtype="0" fill="hold" nodeType="afterEffect">
+                                  <p:stCondLst>
+                                    <p:cond delay="0"/>
+                                  </p:stCondLst>
+                                  <p:childTnLst>
+                                    <p:set>
+                                      <p:cBhvr>
+                                        <p:cTn id="48" dur="1" fill="hold">
+                                          <p:stCondLst>
+                                            <p:cond delay="0"/>
+                                          </p:stCondLst>
+                                        </p:cTn>
+                                        <p:tgtEl>
+                                          <p:spTgt spid="19"/>
+                                        </p:tgtEl>
+                                        <p:attrNameLst>
+                                          <p:attrName>style.visibility</p:attrName>
+                                        </p:attrNameLst>
+                                      </p:cBhvr>
+                                      <p:to>
+                                        <p:strVal val="visible"/>
+                                      </p:to>
+                                    </p:set>
+                                    <p:animEffect transition="in" filter="fade">
+                                      <p:cBhvr>
+                                        <p:cTn id="49" dur="500"/>
+                                        <p:tgtEl>
+                                          <p:spTgt spid="19"/>
+                                        </p:tgtEl>
+                                      </p:cBhvr>
+                                    </p:animEffect>
+                                    <p:anim calcmode="lin" valueType="num">
+                                      <p:cBhvr>
+                                        <p:cTn id="50" dur="500" fill="hold"/>
+                                        <p:tgtEl>
+                                          <p:spTgt spid="19"/>
+                                        </p:tgtEl>
+                                        <p:attrNameLst>
+                                          <p:attrName>ppt_x</p:attrName>
+                                        </p:attrNameLst>
+                                      </p:cBhvr>
+                                      <p:tavLst>
+                                        <p:tav tm="0">
+                                          <p:val>
+                                            <p:strVal val="#ppt_x"/>
+                                          </p:val>
+                                        </p:tav>
+                                        <p:tav tm="100000">
+                                          <p:val>
+                                            <p:strVal val="#ppt_x"/>
+                                          </p:val>
+                                        </p:tav>
+                                      </p:tavLst>
+                                    </p:anim>
+                                    <p:anim calcmode="lin" valueType="num">
+                                      <p:cBhvr>
+                                        <p:cTn id="51" dur="500" fill="hold"/>
+                                        <p:tgtEl>
+                                          <p:spTgt spid="19"/>
+                                        </p:tgtEl>
+                                        <p:attrNameLst>
+                                          <p:attrName>ppt_y</p:attrName>
+                                        </p:attrNameLst>
+                                      </p:cBhvr>
+                                      <p:tavLst>
+                                        <p:tav tm="0">
+                                          <p:val>
+                                            <p:strVal val="#ppt_y+.1"/>
+                                          </p:val>
+                                        </p:tav>
+                                        <p:tav tm="100000">
+                                          <p:val>
+                                            <p:strVal val="#ppt_y"/>
+                                          </p:val>
+                                        </p:tav>
+                                      </p:tavLst>
+                                    </p:anim>
+                                  </p:childTnLst>
+                                </p:cTn>
+                              </p:par>
+                            </p:childTnLst>
+                          </p:cTn>
+                        </p:par>
+                        <p:par>
+                          <p:cTn id="52" fill="hold">
+                            <p:stCondLst>
+                              <p:cond delay="4000"/>
+                            </p:stCondLst>
+                            <p:childTnLst>
+                              <p:par>
+                                <p:cTn id="53" presetID="53" presetClass="entr" presetSubtype="16" fill="hold" nodeType="afterEffect">
+                                  <p:stCondLst>
+                                    <p:cond delay="0"/>
+                                  </p:stCondLst>
+                                  <p:childTnLst>
+                                    <p:set>
+                                      <p:cBhvr>
+                                        <p:cTn id="54" dur="1" fill="hold">
+                                          <p:stCondLst>
+                                            <p:cond delay="0"/>
+                                          </p:stCondLst>
+                                        </p:cTn>
+                                        <p:tgtEl>
+                                          <p:spTgt spid="23"/>
+                                        </p:tgtEl>
+                                        <p:attrNameLst>
+                                          <p:attrName>style.visibility</p:attrName>
+                                        </p:attrNameLst>
+                                      </p:cBhvr>
+                                      <p:to>
+                                        <p:strVal val="visible"/>
+                                      </p:to>
+                                    </p:set>
+                                    <p:anim calcmode="lin" valueType="num">
+                                      <p:cBhvr>
+                                        <p:cTn id="55" dur="500" fill="hold"/>
+                                        <p:tgtEl>
+                                          <p:spTgt spid="23"/>
+                                        </p:tgtEl>
+                                        <p:attrNameLst>
+                                          <p:attrName>ppt_w</p:attrName>
+                                        </p:attrNameLst>
+                                      </p:cBhvr>
+                                      <p:tavLst>
+                                        <p:tav tm="0">
+                                          <p:val>
+                                            <p:fltVal val="0"/>
+                                          </p:val>
+                                        </p:tav>
+                                        <p:tav tm="100000">
+                                          <p:val>
+                                            <p:strVal val="#ppt_w"/>
+                                          </p:val>
+                                        </p:tav>
+                                      </p:tavLst>
+                                    </p:anim>
+                                    <p:anim calcmode="lin" valueType="num">
+                                      <p:cBhvr>
+                                        <p:cTn id="56" dur="500" fill="hold"/>
+                                        <p:tgtEl>
+                                          <p:spTgt spid="23"/>
+                                        </p:tgtEl>
+                                        <p:attrNameLst>
+                                          <p:attrName>ppt_h</p:attrName>
+                                        </p:attrNameLst>
+                                      </p:cBhvr>
+                                      <p:tavLst>
+                                        <p:tav tm="0">
+                                          <p:val>
+                                            <p:fltVal val="0"/>
+                                          </p:val>
+                                        </p:tav>
+                                        <p:tav tm="100000">
+                                          <p:val>
+                                            <p:strVal val="#ppt_h"/>
+                                          </p:val>
+                                        </p:tav>
+                                      </p:tavLst>
+                                    </p:anim>
+                                    <p:animEffect transition="in" filter="fade">
+                                      <p:cBhvr>
+                                        <p:cTn id="57" dur="500"/>
+                                        <p:tgtEl>
+                                          <p:spTgt spid="23"/>
+                                        </p:tgtEl>
+                                      </p:cBhvr>
+                                    </p:animEffect>
+                                  </p:childTnLst>
+                                </p:cTn>
+                              </p:par>
+                            </p:childTnLst>
+                          </p:cTn>
+                        </p:par>
+                        <p:par>
+                          <p:cTn id="58" fill="hold">
+                            <p:stCondLst>
+                              <p:cond delay="4500"/>
+                            </p:stCondLst>
+                            <p:childTnLst>
+                              <p:par>
+                                <p:cTn id="59" presetID="42" presetClass="entr" presetSubtype="0" fill="hold" nodeType="afterEffect">
+                                  <p:stCondLst>
+                                    <p:cond delay="0"/>
+                                  </p:stCondLst>
+                                  <p:childTnLst>
+                                    <p:set>
+                                      <p:cBhvr>
+                                        <p:cTn id="60" dur="1" fill="hold">
+                                          <p:stCondLst>
+                                            <p:cond delay="0"/>
+                                          </p:stCondLst>
+                                        </p:cTn>
+                                        <p:tgtEl>
+                                          <p:spTgt spid="26"/>
+                                        </p:tgtEl>
+                                        <p:attrNameLst>
+                                          <p:attrName>style.visibility</p:attrName>
+                                        </p:attrNameLst>
+                                      </p:cBhvr>
+                                      <p:to>
+                                        <p:strVal val="visible"/>
+                                      </p:to>
+                                    </p:set>
+                                    <p:animEffect transition="in" filter="fade">
+                                      <p:cBhvr>
+                                        <p:cTn id="61" dur="500"/>
+                                        <p:tgtEl>
+                                          <p:spTgt spid="26"/>
+                                        </p:tgtEl>
+                                      </p:cBhvr>
+                                    </p:animEffect>
+                                    <p:anim calcmode="lin" valueType="num">
+                                      <p:cBhvr>
+                                        <p:cTn id="62" dur="500" fill="hold"/>
+                                        <p:tgtEl>
+                                          <p:spTgt spid="26"/>
+                                        </p:tgtEl>
+                                        <p:attrNameLst>
+                                          <p:attrName>ppt_x</p:attrName>
+                                        </p:attrNameLst>
+                                      </p:cBhvr>
+                                      <p:tavLst>
+                                        <p:tav tm="0">
+                                          <p:val>
+                                            <p:strVal val="#ppt_x"/>
+                                          </p:val>
+                                        </p:tav>
+                                        <p:tav tm="100000">
+                                          <p:val>
+                                            <p:strVal val="#ppt_x"/>
+                                          </p:val>
+                                        </p:tav>
+                                      </p:tavLst>
+                                    </p:anim>
+                                    <p:anim calcmode="lin" valueType="num">
+                                      <p:cBhvr>
+                                        <p:cTn id="63" dur="500" fill="hold"/>
+                                        <p:tgtEl>
+                                          <p:spTgt spid="26"/>
+                                        </p:tgtEl>
+                                        <p:attrNameLst>
+                                          <p:attrName>ppt_y</p:attrName>
+                                        </p:attrNameLst>
+                                      </p:cBhvr>
+                                      <p:tavLst>
+                                        <p:tav tm="0">
+                                          <p:val>
+                                            <p:strVal val="#ppt_y+.1"/>
+                                          </p:val>
+                                        </p:tav>
+                                        <p:tav tm="100000">
+                                          <p:val>
+                                            <p:strVal val="#ppt_y"/>
+                                          </p:val>
+                                        </p:tav>
+                                      </p:tavLst>
+                                    </p:anim>
+                                  </p:childTnLst>
+                                </p:cTn>
+                              </p:par>
+                            </p:childTnLst>
+                          </p:cTn>
+                        </p:par>
+                        <p:par>
+                          <p:cTn id="64" fill="hold">
+                            <p:stCondLst>
+                              <p:cond delay="5000"/>
+                            </p:stCondLst>
+                            <p:childTnLst>
+                              <p:par>
+                                <p:cTn id="65" presetID="53" presetClass="entr" presetSubtype="16" fill="hold" nodeType="afterEffect">
+                                  <p:stCondLst>
+                                    <p:cond delay="0"/>
+                                  </p:stCondLst>
+                                  <p:childTnLst>
+                                    <p:set>
+                                      <p:cBhvr>
+                                        <p:cTn id="66" dur="1" fill="hold">
+                                          <p:stCondLst>
+                                            <p:cond delay="0"/>
+                                          </p:stCondLst>
+                                        </p:cTn>
+                                        <p:tgtEl>
+                                          <p:spTgt spid="30"/>
+                                        </p:tgtEl>
+                                        <p:attrNameLst>
+                                          <p:attrName>style.visibility</p:attrName>
+                                        </p:attrNameLst>
+                                      </p:cBhvr>
+                                      <p:to>
+                                        <p:strVal val="visible"/>
+                                      </p:to>
+                                    </p:set>
+                                    <p:anim calcmode="lin" valueType="num">
+                                      <p:cBhvr>
+                                        <p:cTn id="67" dur="500" fill="hold"/>
+                                        <p:tgtEl>
+                                          <p:spTgt spid="30"/>
+                                        </p:tgtEl>
+                                        <p:attrNameLst>
+                                          <p:attrName>ppt_w</p:attrName>
+                                        </p:attrNameLst>
+                                      </p:cBhvr>
+                                      <p:tavLst>
+                                        <p:tav tm="0">
+                                          <p:val>
+                                            <p:fltVal val="0"/>
+                                          </p:val>
+                                        </p:tav>
+                                        <p:tav tm="100000">
+                                          <p:val>
+                                            <p:strVal val="#ppt_w"/>
+                                          </p:val>
+                                        </p:tav>
+                                      </p:tavLst>
+                                    </p:anim>
+                                    <p:anim calcmode="lin" valueType="num">
+                                      <p:cBhvr>
+                                        <p:cTn id="68" dur="500" fill="hold"/>
+                                        <p:tgtEl>
+                                          <p:spTgt spid="30"/>
+                                        </p:tgtEl>
+                                        <p:attrNameLst>
+                                          <p:attrName>ppt_h</p:attrName>
+                                        </p:attrNameLst>
+                                      </p:cBhvr>
+                                      <p:tavLst>
+                                        <p:tav tm="0">
+                                          <p:val>
+                                            <p:fltVal val="0"/>
+                                          </p:val>
+                                        </p:tav>
+                                        <p:tav tm="100000">
+                                          <p:val>
+                                            <p:strVal val="#ppt_h"/>
+                                          </p:val>
+                                        </p:tav>
+                                      </p:tavLst>
+                                    </p:anim>
+                                    <p:animEffect transition="in" filter="fade">
+                                      <p:cBhvr>
+                                        <p:cTn id="69" dur="500"/>
+                                        <p:tgtEl>
+                                          <p:spTgt spid="30"/>
+                                        </p:tgtEl>
+                                      </p:cBhvr>
+                                    </p:animEffect>
+                                  </p:childTnLst>
+                                </p:cTn>
+                              </p:par>
+                            </p:childTnLst>
+                          </p:cTn>
+                        </p:par>
+                        <p:par>
+                          <p:cTn id="70" fill="hold">
+                            <p:stCondLst>
+                              <p:cond delay="5500"/>
+                            </p:stCondLst>
+                            <p:childTnLst>
+                              <p:par>
+                                <p:cTn id="71" presetID="42" presetClass="entr" presetSubtype="0" fill="hold" nodeType="afterEffect">
+                                  <p:stCondLst>
+                                    <p:cond delay="0"/>
+                                  </p:stCondLst>
+                                  <p:childTnLst>
+                                    <p:set>
+                                      <p:cBhvr>
+                                        <p:cTn id="72" dur="1" fill="hold">
+                                          <p:stCondLst>
+                                            <p:cond delay="0"/>
+                                          </p:stCondLst>
+                                        </p:cTn>
+                                        <p:tgtEl>
+                                          <p:spTgt spid="33"/>
+                                        </p:tgtEl>
+                                        <p:attrNameLst>
+                                          <p:attrName>style.visibility</p:attrName>
+                                        </p:attrNameLst>
+                                      </p:cBhvr>
+                                      <p:to>
+                                        <p:strVal val="visible"/>
+                                      </p:to>
+                                    </p:set>
+                                    <p:animEffect transition="in" filter="fade">
+                                      <p:cBhvr>
+                                        <p:cTn id="73" dur="500"/>
+                                        <p:tgtEl>
+                                          <p:spTgt spid="33"/>
+                                        </p:tgtEl>
+                                      </p:cBhvr>
+                                    </p:animEffect>
+                                    <p:anim calcmode="lin" valueType="num">
+                                      <p:cBhvr>
+                                        <p:cTn id="74" dur="500" fill="hold"/>
+                                        <p:tgtEl>
+                                          <p:spTgt spid="33"/>
+                                        </p:tgtEl>
+                                        <p:attrNameLst>
+                                          <p:attrName>ppt_x</p:attrName>
+                                        </p:attrNameLst>
+                                      </p:cBhvr>
+                                      <p:tavLst>
+                                        <p:tav tm="0">
+                                          <p:val>
+                                            <p:strVal val="#ppt_x"/>
+                                          </p:val>
+                                        </p:tav>
+                                        <p:tav tm="100000">
+                                          <p:val>
+                                            <p:strVal val="#ppt_x"/>
+                                          </p:val>
+                                        </p:tav>
+                                      </p:tavLst>
+                                    </p:anim>
+                                    <p:anim calcmode="lin" valueType="num">
+                                      <p:cBhvr>
+                                        <p:cTn id="75" dur="500" fill="hold"/>
+                                        <p:tgtEl>
+                                          <p:spTgt spid="33"/>
+                                        </p:tgtEl>
+                                        <p:attrNameLst>
+                                          <p:attrName>ppt_y</p:attrName>
+                                        </p:attrNameLst>
+                                      </p:cBhvr>
+                                      <p:tavLst>
+                                        <p:tav tm="0">
+                                          <p:val>
+                                            <p:strVal val="#ppt_y+.1"/>
+                                          </p:val>
+                                        </p:tav>
+                                        <p:tav tm="100000">
+                                          <p:val>
+                                            <p:strVal val="#ppt_y"/>
+                                          </p:val>
+                                        </p:tav>
+                                      </p:tavLst>
+                                    </p:anim>
                                   </p:childTnLst>
                                 </p:cTn>
                               </p:par>
